--- a/GCC-Digital Logic.pptx
+++ b/GCC-Digital Logic.pptx
@@ -5,7 +5,7 @@
     <p:sldMasterId id="2147483659" r:id="rId1"/>
   </p:sldMasterIdLst>
   <p:notesMasterIdLst>
-    <p:notesMasterId r:id="rId16"/>
+    <p:notesMasterId r:id="rId18"/>
   </p:notesMasterIdLst>
   <p:sldIdLst>
     <p:sldId id="256" r:id="rId2"/>
@@ -16,33 +16,35 @@
     <p:sldId id="268" r:id="rId7"/>
     <p:sldId id="269" r:id="rId8"/>
     <p:sldId id="270" r:id="rId9"/>
-    <p:sldId id="257" r:id="rId10"/>
-    <p:sldId id="262" r:id="rId11"/>
-    <p:sldId id="264" r:id="rId12"/>
-    <p:sldId id="265" r:id="rId13"/>
-    <p:sldId id="266" r:id="rId14"/>
+    <p:sldId id="273" r:id="rId10"/>
+    <p:sldId id="257" r:id="rId11"/>
+    <p:sldId id="262" r:id="rId12"/>
+    <p:sldId id="264" r:id="rId13"/>
+    <p:sldId id="265" r:id="rId14"/>
     <p:sldId id="272" r:id="rId15"/>
+    <p:sldId id="274" r:id="rId16"/>
+    <p:sldId id="275" r:id="rId17"/>
   </p:sldIdLst>
   <p:sldSz cx="9144000" cy="5143500" type="screen16x9"/>
   <p:notesSz cx="6858000" cy="9144000"/>
   <p:embeddedFontLst>
     <p:embeddedFont>
       <p:font typeface="Montserrat" panose="020B0604020202020204" charset="0"/>
-      <p:regular r:id="rId17"/>
-      <p:bold r:id="rId18"/>
-      <p:italic r:id="rId19"/>
-      <p:boldItalic r:id="rId20"/>
+      <p:regular r:id="rId19"/>
+      <p:bold r:id="rId20"/>
+      <p:italic r:id="rId21"/>
+      <p:boldItalic r:id="rId22"/>
     </p:embeddedFont>
     <p:embeddedFont>
       <p:font typeface="Old Standard TT" panose="020B0604020202020204" charset="0"/>
-      <p:regular r:id="rId21"/>
-      <p:bold r:id="rId22"/>
-      <p:italic r:id="rId23"/>
+      <p:regular r:id="rId23"/>
+      <p:bold r:id="rId24"/>
+      <p:italic r:id="rId25"/>
     </p:embeddedFont>
     <p:embeddedFont>
       <p:font typeface="Oswald" panose="020B0604020202020204" charset="0"/>
-      <p:regular r:id="rId24"/>
-      <p:bold r:id="rId25"/>
+      <p:regular r:id="rId26"/>
+      <p:bold r:id="rId27"/>
     </p:embeddedFont>
   </p:embeddedFontLst>
   <p:defaultTextStyle>
@@ -6725,6 +6727,141 @@
       </p:grpSpPr>
       <p:sp>
         <p:nvSpPr>
+          <p:cNvPr id="4" name="Title 3">
+            <a:extLst>
+              <a:ext uri="{FF2B5EF4-FFF2-40B4-BE49-F238E27FC236}">
+                <a16:creationId xmlns:a16="http://schemas.microsoft.com/office/drawing/2014/main" id="{570101D8-3482-47F4-BB61-ACEFD9CC2873}"/>
+              </a:ext>
+            </a:extLst>
+          </p:cNvPr>
+          <p:cNvSpPr>
+            <a:spLocks noGrp="1"/>
+          </p:cNvSpPr>
+          <p:nvPr>
+            <p:ph type="title"/>
+          </p:nvPr>
+        </p:nvSpPr>
+        <p:spPr/>
+        <p:txBody>
+          <a:bodyPr>
+            <a:normAutofit fontScale="90000"/>
+          </a:bodyPr>
+          <a:lstStyle/>
+          <a:p>
+            <a:r>
+              <a:rPr lang="en-US" dirty="0"/>
+              <a:t>DIGITAL LOGIC: </a:t>
+            </a:r>
+          </a:p>
+        </p:txBody>
+      </p:sp>
+      <p:sp>
+        <p:nvSpPr>
+          <p:cNvPr id="5" name="Text Placeholder 4">
+            <a:extLst>
+              <a:ext uri="{FF2B5EF4-FFF2-40B4-BE49-F238E27FC236}">
+                <a16:creationId xmlns:a16="http://schemas.microsoft.com/office/drawing/2014/main" id="{01ED4B20-8B68-427A-A5DE-AD2FCF47F96D}"/>
+              </a:ext>
+            </a:extLst>
+          </p:cNvPr>
+          <p:cNvSpPr>
+            <a:spLocks noGrp="1"/>
+          </p:cNvSpPr>
+          <p:nvPr>
+            <p:ph type="body" idx="1"/>
+          </p:nvPr>
+        </p:nvSpPr>
+        <p:spPr>
+          <a:xfrm>
+            <a:off x="311700" y="1400200"/>
+            <a:ext cx="4512963" cy="3397200"/>
+          </a:xfrm>
+        </p:spPr>
+        <p:txBody>
+          <a:bodyPr/>
+          <a:lstStyle/>
+          <a:p>
+            <a:r>
+              <a:rPr lang="en-US" dirty="0"/>
+              <a:t>Also known as Boolean Logic, is the fundamental principle underneath all of computing.</a:t>
+            </a:r>
+          </a:p>
+          <a:p>
+            <a:endParaRPr lang="en-US" dirty="0"/>
+          </a:p>
+          <a:p>
+            <a:r>
+              <a:rPr lang="en-US" dirty="0"/>
+              <a:t>It quite literally is the use of all the 1s and 0s from the ground up.</a:t>
+            </a:r>
+          </a:p>
+          <a:p>
+            <a:endParaRPr lang="en-US" dirty="0"/>
+          </a:p>
+        </p:txBody>
+      </p:sp>
+      <p:pic>
+        <p:nvPicPr>
+          <p:cNvPr id="2" name="Picture 1">
+            <a:extLst>
+              <a:ext uri="{FF2B5EF4-FFF2-40B4-BE49-F238E27FC236}">
+                <a16:creationId xmlns:a16="http://schemas.microsoft.com/office/drawing/2014/main" id="{B80DFE15-5383-4A41-8C38-B1B2BDE21514}"/>
+              </a:ext>
+            </a:extLst>
+          </p:cNvPr>
+          <p:cNvPicPr>
+            <a:picLocks noChangeAspect="1"/>
+          </p:cNvPicPr>
+          <p:nvPr/>
+        </p:nvPicPr>
+        <p:blipFill>
+          <a:blip r:embed="rId2"/>
+          <a:stretch>
+            <a:fillRect/>
+          </a:stretch>
+        </p:blipFill>
+        <p:spPr>
+          <a:xfrm>
+            <a:off x="5386760" y="828762"/>
+            <a:ext cx="2878936" cy="3259972"/>
+          </a:xfrm>
+          <a:prstGeom prst="rect">
+            <a:avLst/>
+          </a:prstGeom>
+        </p:spPr>
+      </p:pic>
+    </p:spTree>
+    <p:extLst>
+      <p:ext uri="{BB962C8B-B14F-4D97-AF65-F5344CB8AC3E}">
+        <p14:creationId xmlns:p14="http://schemas.microsoft.com/office/powerpoint/2010/main" val="1875340111"/>
+      </p:ext>
+    </p:extLst>
+  </p:cSld>
+  <p:clrMapOvr>
+    <a:masterClrMapping/>
+  </p:clrMapOvr>
+</p:sld>
+</file>
+
+<file path=ppt/slides/slide11.xml><?xml version="1.0" encoding="utf-8"?>
+<p:sld xmlns:a="http://schemas.openxmlformats.org/drawingml/2006/main" xmlns:r="http://schemas.openxmlformats.org/officeDocument/2006/relationships" xmlns:p="http://schemas.openxmlformats.org/presentationml/2006/main">
+  <p:cSld>
+    <p:spTree>
+      <p:nvGrpSpPr>
+        <p:cNvPr id="1" name=""/>
+        <p:cNvGrpSpPr/>
+        <p:nvPr/>
+      </p:nvGrpSpPr>
+      <p:grpSpPr>
+        <a:xfrm>
+          <a:off x="0" y="0"/>
+          <a:ext cx="0" cy="0"/>
+          <a:chOff x="0" y="0"/>
+          <a:chExt cx="0" cy="0"/>
+        </a:xfrm>
+      </p:grpSpPr>
+      <p:sp>
+        <p:nvSpPr>
           <p:cNvPr id="2" name="Title 1">
             <a:extLst>
               <a:ext uri="{FF2B5EF4-FFF2-40B4-BE49-F238E27FC236}">
@@ -6872,7 +7009,7 @@
 </p:sld>
 </file>
 
-<file path=ppt/slides/slide11.xml><?xml version="1.0" encoding="utf-8"?>
+<file path=ppt/slides/slide12.xml><?xml version="1.0" encoding="utf-8"?>
 <p:sld xmlns:a="http://schemas.openxmlformats.org/drawingml/2006/main" xmlns:r="http://schemas.openxmlformats.org/officeDocument/2006/relationships" xmlns:p="http://schemas.openxmlformats.org/presentationml/2006/main">
   <p:cSld>
     <p:spTree>
@@ -6979,8 +7116,8 @@
         </p:blipFill>
         <p:spPr>
           <a:xfrm>
-            <a:off x="4300833" y="1557845"/>
-            <a:ext cx="4710737" cy="3081910"/>
+            <a:off x="4375193" y="1286825"/>
+            <a:ext cx="4121107" cy="2696156"/>
           </a:xfrm>
           <a:prstGeom prst="rect">
             <a:avLst/>
@@ -7000,7 +7137,7 @@
 </p:sld>
 </file>
 
-<file path=ppt/slides/slide12.xml><?xml version="1.0" encoding="utf-8"?>
+<file path=ppt/slides/slide13.xml><?xml version="1.0" encoding="utf-8"?>
 <p:sld xmlns:a="http://schemas.openxmlformats.org/drawingml/2006/main" xmlns:r="http://schemas.openxmlformats.org/officeDocument/2006/relationships" xmlns:p="http://schemas.openxmlformats.org/presentationml/2006/main">
   <p:cSld>
     <p:spTree>
@@ -7120,96 +7257,6 @@
 </p:sld>
 </file>
 
-<file path=ppt/slides/slide13.xml><?xml version="1.0" encoding="utf-8"?>
-<p:sld xmlns:a="http://schemas.openxmlformats.org/drawingml/2006/main" xmlns:r="http://schemas.openxmlformats.org/officeDocument/2006/relationships" xmlns:p="http://schemas.openxmlformats.org/presentationml/2006/main">
-  <p:cSld>
-    <p:spTree>
-      <p:nvGrpSpPr>
-        <p:cNvPr id="1" name=""/>
-        <p:cNvGrpSpPr/>
-        <p:nvPr/>
-      </p:nvGrpSpPr>
-      <p:grpSpPr>
-        <a:xfrm>
-          <a:off x="0" y="0"/>
-          <a:ext cx="0" cy="0"/>
-          <a:chOff x="0" y="0"/>
-          <a:chExt cx="0" cy="0"/>
-        </a:xfrm>
-      </p:grpSpPr>
-      <p:sp>
-        <p:nvSpPr>
-          <p:cNvPr id="2" name="Title 1">
-            <a:extLst>
-              <a:ext uri="{FF2B5EF4-FFF2-40B4-BE49-F238E27FC236}">
-                <a16:creationId xmlns:a16="http://schemas.microsoft.com/office/drawing/2014/main" id="{8DB4DA95-36DE-4BAC-A7CE-C22479F6993E}"/>
-              </a:ext>
-            </a:extLst>
-          </p:cNvPr>
-          <p:cNvSpPr>
-            <a:spLocks noGrp="1"/>
-          </p:cNvSpPr>
-          <p:nvPr>
-            <p:ph type="title"/>
-          </p:nvPr>
-        </p:nvSpPr>
-        <p:spPr/>
-        <p:txBody>
-          <a:bodyPr>
-            <a:normAutofit fontScale="90000"/>
-          </a:bodyPr>
-          <a:lstStyle/>
-          <a:p>
-            <a:r>
-              <a:rPr lang="en-US" dirty="0"/>
-              <a:t>Where else have we seen the use of gates?</a:t>
-            </a:r>
-          </a:p>
-        </p:txBody>
-      </p:sp>
-      <p:pic>
-        <p:nvPicPr>
-          <p:cNvPr id="5" name="Picture 4" descr="Diagram&#10;&#10;Description automatically generated">
-            <a:extLst>
-              <a:ext uri="{FF2B5EF4-FFF2-40B4-BE49-F238E27FC236}">
-                <a16:creationId xmlns:a16="http://schemas.microsoft.com/office/drawing/2014/main" id="{13F4FB8F-6A90-4D73-98DB-B69ACB45874D}"/>
-              </a:ext>
-            </a:extLst>
-          </p:cNvPr>
-          <p:cNvPicPr>
-            <a:picLocks noChangeAspect="1"/>
-          </p:cNvPicPr>
-          <p:nvPr/>
-        </p:nvPicPr>
-        <p:blipFill>
-          <a:blip r:embed="rId2"/>
-          <a:stretch>
-            <a:fillRect/>
-          </a:stretch>
-        </p:blipFill>
-        <p:spPr>
-          <a:xfrm>
-            <a:off x="1476440" y="1286825"/>
-            <a:ext cx="5347808" cy="3739852"/>
-          </a:xfrm>
-          <a:prstGeom prst="rect">
-            <a:avLst/>
-          </a:prstGeom>
-        </p:spPr>
-      </p:pic>
-    </p:spTree>
-    <p:extLst>
-      <p:ext uri="{BB962C8B-B14F-4D97-AF65-F5344CB8AC3E}">
-        <p14:creationId xmlns:p14="http://schemas.microsoft.com/office/powerpoint/2010/main" val="2311572319"/>
-      </p:ext>
-    </p:extLst>
-  </p:cSld>
-  <p:clrMapOvr>
-    <a:masterClrMapping/>
-  </p:clrMapOvr>
-</p:sld>
-</file>
-
 <file path=ppt/slides/slide14.xml><?xml version="1.0" encoding="utf-8"?>
 <p:sld xmlns:a="http://schemas.openxmlformats.org/drawingml/2006/main" xmlns:r="http://schemas.openxmlformats.org/officeDocument/2006/relationships" xmlns:p="http://schemas.openxmlformats.org/presentationml/2006/main">
   <p:cSld>
@@ -7251,12 +7298,8 @@
           <a:lstStyle/>
           <a:p>
             <a:r>
-              <a:rPr lang="en-US" dirty="0" err="1"/>
-              <a:t>CircuitVerse</a:t>
-            </a:r>
-            <a:r>
               <a:rPr lang="en-US" dirty="0"/>
-              <a:t>: Build these Scenarios</a:t>
+              <a:t>What is the output of this program?</a:t>
             </a:r>
           </a:p>
         </p:txBody>
@@ -7277,15 +7320,190 @@
             <p:ph type="body" idx="1"/>
           </p:nvPr>
         </p:nvSpPr>
-        <p:spPr/>
+        <p:spPr>
+          <a:xfrm>
+            <a:off x="311700" y="1177968"/>
+            <a:ext cx="8520600" cy="3510575"/>
+          </a:xfrm>
+        </p:spPr>
         <p:txBody>
-          <a:bodyPr/>
+          <a:bodyPr>
+            <a:noAutofit/>
+          </a:bodyPr>
           <a:lstStyle/>
           <a:p>
             <a:pPr marL="114300" indent="0">
               <a:buNone/>
             </a:pPr>
-            <a:endParaRPr lang="en-US"/>
+            <a:r>
+              <a:rPr lang="en-US" sz="1600" dirty="0" err="1"/>
+              <a:t>way_fairer</a:t>
+            </a:r>
+            <a:r>
+              <a:rPr lang="en-US" sz="1600" dirty="0"/>
+              <a:t> = 2.7</a:t>
+            </a:r>
+          </a:p>
+          <a:p>
+            <a:pPr marL="114300" indent="0">
+              <a:buNone/>
+            </a:pPr>
+            <a:r>
+              <a:rPr lang="en-US" sz="1600" dirty="0" err="1"/>
+              <a:t>StickleyMan</a:t>
+            </a:r>
+            <a:r>
+              <a:rPr lang="en-US" sz="1600" dirty="0"/>
+              <a:t> = 2.3</a:t>
+            </a:r>
+          </a:p>
+          <a:p>
+            <a:pPr marL="114300" indent="0">
+              <a:buNone/>
+            </a:pPr>
+            <a:r>
+              <a:rPr lang="en-US" sz="1600" dirty="0"/>
+              <a:t>_</a:t>
+            </a:r>
+            <a:r>
+              <a:rPr lang="en-US" sz="1600" dirty="0" err="1"/>
+              <a:t>vargas</a:t>
+            </a:r>
+            <a:r>
+              <a:rPr lang="en-US" sz="1600" dirty="0"/>
+              <a:t>_ = 2.3</a:t>
+            </a:r>
+          </a:p>
+          <a:p>
+            <a:pPr marL="114300" indent="0">
+              <a:buNone/>
+            </a:pPr>
+            <a:r>
+              <a:rPr lang="en-US" sz="1600" dirty="0" err="1"/>
+              <a:t>smeeee</a:t>
+            </a:r>
+            <a:r>
+              <a:rPr lang="en-US" sz="1600" dirty="0"/>
+              <a:t> = 1.3</a:t>
+            </a:r>
+          </a:p>
+          <a:p>
+            <a:pPr marL="114300" indent="0">
+              <a:buNone/>
+            </a:pPr>
+            <a:endParaRPr lang="en-US" sz="1600" dirty="0"/>
+          </a:p>
+          <a:p>
+            <a:pPr marL="114300" indent="0">
+              <a:buNone/>
+            </a:pPr>
+            <a:r>
+              <a:rPr lang="en-US" sz="1600" dirty="0"/>
+              <a:t>a = </a:t>
+            </a:r>
+            <a:r>
+              <a:rPr lang="en-US" sz="1600" dirty="0" err="1"/>
+              <a:t>way_fairer</a:t>
+            </a:r>
+            <a:r>
+              <a:rPr lang="en-US" sz="1600" dirty="0"/>
+              <a:t> &gt; </a:t>
+            </a:r>
+            <a:r>
+              <a:rPr lang="en-US" sz="1600" dirty="0" err="1"/>
+              <a:t>StickleyMan</a:t>
+            </a:r>
+            <a:r>
+              <a:rPr lang="en-US" sz="1600" dirty="0"/>
+              <a:t> </a:t>
+            </a:r>
+          </a:p>
+          <a:p>
+            <a:pPr marL="114300" indent="0">
+              <a:buNone/>
+            </a:pPr>
+            <a:r>
+              <a:rPr lang="en-US" sz="1600" dirty="0"/>
+              <a:t>b = </a:t>
+            </a:r>
+            <a:r>
+              <a:rPr lang="en-US" sz="1600" dirty="0" err="1"/>
+              <a:t>StickleyMan</a:t>
+            </a:r>
+            <a:r>
+              <a:rPr lang="en-US" sz="1600" dirty="0"/>
+              <a:t> &lt; </a:t>
+            </a:r>
+            <a:r>
+              <a:rPr lang="en-US" sz="1600" dirty="0" err="1"/>
+              <a:t>smeeee</a:t>
+            </a:r>
+            <a:r>
+              <a:rPr lang="en-US" sz="1600" dirty="0"/>
+              <a:t> and a</a:t>
+            </a:r>
+          </a:p>
+          <a:p>
+            <a:pPr marL="114300" indent="0">
+              <a:buNone/>
+            </a:pPr>
+            <a:r>
+              <a:rPr lang="en-US" sz="1600" dirty="0"/>
+              <a:t>c = a and b or </a:t>
+            </a:r>
+            <a:r>
+              <a:rPr lang="en-US" sz="1600" dirty="0" err="1"/>
+              <a:t>smeeee</a:t>
+            </a:r>
+            <a:r>
+              <a:rPr lang="en-US" sz="1600" dirty="0"/>
+              <a:t> &gt; 1.2   # TRUE </a:t>
+            </a:r>
+          </a:p>
+          <a:p>
+            <a:pPr marL="114300" indent="0">
+              <a:buNone/>
+            </a:pPr>
+            <a:r>
+              <a:rPr lang="en-US" sz="1600" dirty="0"/>
+              <a:t>d = not ((a and b) or c)</a:t>
+            </a:r>
+          </a:p>
+          <a:p>
+            <a:pPr marL="114300" indent="0">
+              <a:buNone/>
+            </a:pPr>
+            <a:r>
+              <a:rPr lang="en-US" sz="1600" dirty="0"/>
+              <a:t>if d:</a:t>
+            </a:r>
+          </a:p>
+          <a:p>
+            <a:pPr marL="114300" indent="0">
+              <a:buNone/>
+            </a:pPr>
+            <a:r>
+              <a:rPr lang="en-US" sz="1600" dirty="0"/>
+              <a:t>    print("TRUE")</a:t>
+            </a:r>
+          </a:p>
+          <a:p>
+            <a:pPr marL="114300" indent="0">
+              <a:buNone/>
+            </a:pPr>
+            <a:r>
+              <a:rPr lang="en-US" sz="1600" dirty="0"/>
+              <a:t>else:</a:t>
+            </a:r>
+          </a:p>
+          <a:p>
+            <a:pPr marL="114300" indent="0">
+              <a:buNone/>
+            </a:pPr>
+            <a:r>
+              <a:rPr lang="en-US" sz="1600" dirty="0"/>
+              <a:t>    print("FALSE")</a:t>
+            </a:r>
           </a:p>
         </p:txBody>
       </p:sp>
@@ -7293,6 +7511,268 @@
     <p:extLst>
       <p:ext uri="{BB962C8B-B14F-4D97-AF65-F5344CB8AC3E}">
         <p14:creationId xmlns:p14="http://schemas.microsoft.com/office/powerpoint/2010/main" val="4104168809"/>
+      </p:ext>
+    </p:extLst>
+  </p:cSld>
+  <p:clrMapOvr>
+    <a:masterClrMapping/>
+  </p:clrMapOvr>
+</p:sld>
+</file>
+
+<file path=ppt/slides/slide15.xml><?xml version="1.0" encoding="utf-8"?>
+<p:sld xmlns:a="http://schemas.openxmlformats.org/drawingml/2006/main" xmlns:r="http://schemas.openxmlformats.org/officeDocument/2006/relationships" xmlns:p="http://schemas.openxmlformats.org/presentationml/2006/main">
+  <p:cSld>
+    <p:spTree>
+      <p:nvGrpSpPr>
+        <p:cNvPr id="1" name=""/>
+        <p:cNvGrpSpPr/>
+        <p:nvPr/>
+      </p:nvGrpSpPr>
+      <p:grpSpPr>
+        <a:xfrm>
+          <a:off x="0" y="0"/>
+          <a:ext cx="0" cy="0"/>
+          <a:chOff x="0" y="0"/>
+          <a:chExt cx="0" cy="0"/>
+        </a:xfrm>
+      </p:grpSpPr>
+      <p:sp>
+        <p:nvSpPr>
+          <p:cNvPr id="2" name="Title 1">
+            <a:extLst>
+              <a:ext uri="{FF2B5EF4-FFF2-40B4-BE49-F238E27FC236}">
+                <a16:creationId xmlns:a16="http://schemas.microsoft.com/office/drawing/2014/main" id="{FA54E633-1BF7-41C0-9186-8E19360E7EFA}"/>
+              </a:ext>
+            </a:extLst>
+          </p:cNvPr>
+          <p:cNvSpPr>
+            <a:spLocks noGrp="1"/>
+          </p:cNvSpPr>
+          <p:nvPr>
+            <p:ph type="title"/>
+          </p:nvPr>
+        </p:nvSpPr>
+        <p:spPr/>
+        <p:txBody>
+          <a:bodyPr>
+            <a:normAutofit fontScale="90000"/>
+          </a:bodyPr>
+          <a:lstStyle/>
+          <a:p>
+            <a:r>
+              <a:rPr lang="en-US" dirty="0"/>
+              <a:t>Solution: FALSE</a:t>
+            </a:r>
+          </a:p>
+        </p:txBody>
+      </p:sp>
+      <p:sp>
+        <p:nvSpPr>
+          <p:cNvPr id="3" name="Text Placeholder 2">
+            <a:extLst>
+              <a:ext uri="{FF2B5EF4-FFF2-40B4-BE49-F238E27FC236}">
+                <a16:creationId xmlns:a16="http://schemas.microsoft.com/office/drawing/2014/main" id="{98CE696F-037D-46C3-B0C4-C80F31E67EBA}"/>
+              </a:ext>
+            </a:extLst>
+          </p:cNvPr>
+          <p:cNvSpPr>
+            <a:spLocks noGrp="1"/>
+          </p:cNvSpPr>
+          <p:nvPr>
+            <p:ph type="body" idx="1"/>
+          </p:nvPr>
+        </p:nvSpPr>
+        <p:spPr/>
+        <p:txBody>
+          <a:bodyPr/>
+          <a:lstStyle/>
+          <a:p>
+            <a:r>
+              <a:rPr lang="en-US" dirty="0"/>
+              <a:t>A =  2.7 &gt; 2.3 == TRUE</a:t>
+            </a:r>
+          </a:p>
+          <a:p>
+            <a:r>
+              <a:rPr lang="en-US" dirty="0"/>
+              <a:t>B = 2.3 &lt; 1.3 AND A == FALSE AND TRUE == FALSE</a:t>
+            </a:r>
+          </a:p>
+          <a:p>
+            <a:r>
+              <a:rPr lang="en-US" dirty="0"/>
+              <a:t>C=  true AND false OR ( 1.3 &gt; 1.2) = FALSE OR TRUE == TRUE</a:t>
+            </a:r>
+          </a:p>
+          <a:p>
+            <a:r>
+              <a:rPr lang="en-US" dirty="0"/>
+              <a:t>D= </a:t>
+            </a:r>
+            <a:r>
+              <a:rPr lang="en-US" sz="1800" dirty="0"/>
+              <a:t># not </a:t>
+            </a:r>
+            <a:r>
+              <a:rPr lang="en-US" sz="1800"/>
+              <a:t>( ( TRUE AND FALSE) OR TRUE)  </a:t>
+            </a:r>
+            <a:r>
+              <a:rPr lang="en-US" sz="1800" dirty="0"/>
+              <a:t>== FALSE </a:t>
+            </a:r>
+            <a:endParaRPr lang="en-US" dirty="0"/>
+          </a:p>
+          <a:p>
+            <a:endParaRPr lang="en-US" dirty="0"/>
+          </a:p>
+          <a:p>
+            <a:endParaRPr lang="en-US" dirty="0"/>
+          </a:p>
+          <a:p>
+            <a:r>
+              <a:rPr lang="en-US" dirty="0"/>
+              <a:t>Returns: FALSE</a:t>
+            </a:r>
+          </a:p>
+        </p:txBody>
+      </p:sp>
+    </p:spTree>
+    <p:extLst>
+      <p:ext uri="{BB962C8B-B14F-4D97-AF65-F5344CB8AC3E}">
+        <p14:creationId xmlns:p14="http://schemas.microsoft.com/office/powerpoint/2010/main" val="518757729"/>
+      </p:ext>
+    </p:extLst>
+  </p:cSld>
+  <p:clrMapOvr>
+    <a:masterClrMapping/>
+  </p:clrMapOvr>
+</p:sld>
+</file>
+
+<file path=ppt/slides/slide16.xml><?xml version="1.0" encoding="utf-8"?>
+<p:sld xmlns:a="http://schemas.openxmlformats.org/drawingml/2006/main" xmlns:r="http://schemas.openxmlformats.org/officeDocument/2006/relationships" xmlns:p="http://schemas.openxmlformats.org/presentationml/2006/main">
+  <p:cSld>
+    <p:spTree>
+      <p:nvGrpSpPr>
+        <p:cNvPr id="1" name=""/>
+        <p:cNvGrpSpPr/>
+        <p:nvPr/>
+      </p:nvGrpSpPr>
+      <p:grpSpPr>
+        <a:xfrm>
+          <a:off x="0" y="0"/>
+          <a:ext cx="0" cy="0"/>
+          <a:chOff x="0" y="0"/>
+          <a:chExt cx="0" cy="0"/>
+        </a:xfrm>
+      </p:grpSpPr>
+      <p:sp>
+        <p:nvSpPr>
+          <p:cNvPr id="2" name="Title 1">
+            <a:extLst>
+              <a:ext uri="{FF2B5EF4-FFF2-40B4-BE49-F238E27FC236}">
+                <a16:creationId xmlns:a16="http://schemas.microsoft.com/office/drawing/2014/main" id="{785D4BEF-39EC-4967-822A-9F3C93E00E3F}"/>
+              </a:ext>
+            </a:extLst>
+          </p:cNvPr>
+          <p:cNvSpPr>
+            <a:spLocks noGrp="1"/>
+          </p:cNvSpPr>
+          <p:nvPr>
+            <p:ph type="title"/>
+          </p:nvPr>
+        </p:nvSpPr>
+        <p:spPr/>
+        <p:txBody>
+          <a:bodyPr>
+            <a:normAutofit fontScale="90000"/>
+          </a:bodyPr>
+          <a:lstStyle/>
+          <a:p>
+            <a:r>
+              <a:rPr lang="en-US" dirty="0"/>
+              <a:t>MAPSCII</a:t>
+            </a:r>
+          </a:p>
+        </p:txBody>
+      </p:sp>
+      <p:sp>
+        <p:nvSpPr>
+          <p:cNvPr id="3" name="Text Placeholder 2">
+            <a:extLst>
+              <a:ext uri="{FF2B5EF4-FFF2-40B4-BE49-F238E27FC236}">
+                <a16:creationId xmlns:a16="http://schemas.microsoft.com/office/drawing/2014/main" id="{E372A75F-31DE-45DE-9EF5-C351000E336C}"/>
+              </a:ext>
+            </a:extLst>
+          </p:cNvPr>
+          <p:cNvSpPr>
+            <a:spLocks noGrp="1"/>
+          </p:cNvSpPr>
+          <p:nvPr>
+            <p:ph type="body" idx="1"/>
+          </p:nvPr>
+        </p:nvSpPr>
+        <p:spPr/>
+        <p:txBody>
+          <a:bodyPr/>
+          <a:lstStyle/>
+          <a:p>
+            <a:r>
+              <a:rPr lang="en-US" dirty="0" err="1"/>
+              <a:t>sudo</a:t>
+            </a:r>
+            <a:r>
+              <a:rPr lang="en-US" dirty="0"/>
+              <a:t> apt-get install telnet</a:t>
+            </a:r>
+          </a:p>
+          <a:p>
+            <a:r>
+              <a:rPr lang="en-US" dirty="0"/>
+              <a:t>telnet mapscii.me</a:t>
+            </a:r>
+          </a:p>
+          <a:p>
+            <a:endParaRPr lang="en-US" dirty="0"/>
+          </a:p>
+        </p:txBody>
+      </p:sp>
+      <p:pic>
+        <p:nvPicPr>
+          <p:cNvPr id="5" name="Picture 4" descr="A picture containing text, person, computer&#10;&#10;Description automatically generated">
+            <a:extLst>
+              <a:ext uri="{FF2B5EF4-FFF2-40B4-BE49-F238E27FC236}">
+                <a16:creationId xmlns:a16="http://schemas.microsoft.com/office/drawing/2014/main" id="{EC172EAB-E84E-409C-9B24-E3DCEBB0340C}"/>
+              </a:ext>
+            </a:extLst>
+          </p:cNvPr>
+          <p:cNvPicPr>
+            <a:picLocks noChangeAspect="1"/>
+          </p:cNvPicPr>
+          <p:nvPr/>
+        </p:nvPicPr>
+        <p:blipFill>
+          <a:blip r:embed="rId2"/>
+          <a:stretch>
+            <a:fillRect/>
+          </a:stretch>
+        </p:blipFill>
+        <p:spPr>
+          <a:xfrm>
+            <a:off x="4572000" y="673625"/>
+            <a:ext cx="4260300" cy="3219994"/>
+          </a:xfrm>
+          <a:prstGeom prst="rect">
+            <a:avLst/>
+          </a:prstGeom>
+        </p:spPr>
+      </p:pic>
+    </p:spTree>
+    <p:extLst>
+      <p:ext uri="{BB962C8B-B14F-4D97-AF65-F5344CB8AC3E}">
+        <p14:creationId xmlns:p14="http://schemas.microsoft.com/office/powerpoint/2010/main" val="2291522979"/>
       </p:ext>
     </p:extLst>
   </p:cSld>
@@ -8458,10 +8938,10 @@
       </p:grpSpPr>
       <p:sp>
         <p:nvSpPr>
-          <p:cNvPr id="4" name="Title 3">
+          <p:cNvPr id="2" name="Title 1">
             <a:extLst>
               <a:ext uri="{FF2B5EF4-FFF2-40B4-BE49-F238E27FC236}">
-                <a16:creationId xmlns:a16="http://schemas.microsoft.com/office/drawing/2014/main" id="{570101D8-3482-47F4-BB61-ACEFD9CC2873}"/>
+                <a16:creationId xmlns:a16="http://schemas.microsoft.com/office/drawing/2014/main" id="{446BB0E8-A55E-4C24-8A58-6DF5AD31BA30}"/>
               </a:ext>
             </a:extLst>
           </p:cNvPr>
@@ -8481,17 +8961,17 @@
           <a:p>
             <a:r>
               <a:rPr lang="en-US" dirty="0"/>
-              <a:t>DIGITAL LOGIC: </a:t>
+              <a:t>XXD Command</a:t>
             </a:r>
           </a:p>
         </p:txBody>
       </p:sp>
       <p:sp>
         <p:nvSpPr>
-          <p:cNvPr id="5" name="Text Placeholder 4">
+          <p:cNvPr id="3" name="Text Placeholder 2">
             <a:extLst>
               <a:ext uri="{FF2B5EF4-FFF2-40B4-BE49-F238E27FC236}">
-                <a16:creationId xmlns:a16="http://schemas.microsoft.com/office/drawing/2014/main" id="{01ED4B20-8B68-427A-A5DE-AD2FCF47F96D}"/>
+                <a16:creationId xmlns:a16="http://schemas.microsoft.com/office/drawing/2014/main" id="{1F75ACD2-86F1-4B23-B541-EF9A2C63A5F6}"/>
               </a:ext>
             </a:extLst>
           </p:cNvPr>
@@ -8502,69 +8982,28 @@
             <p:ph type="body" idx="1"/>
           </p:nvPr>
         </p:nvSpPr>
-        <p:spPr>
-          <a:xfrm>
-            <a:off x="311700" y="1400200"/>
-            <a:ext cx="4512963" cy="3397200"/>
-          </a:xfrm>
-        </p:spPr>
+        <p:spPr/>
         <p:txBody>
           <a:bodyPr/>
           <a:lstStyle/>
           <a:p>
             <a:r>
               <a:rPr lang="en-US" dirty="0"/>
-              <a:t>Also known as Boolean Logic, is the fundamental principle underneath all of computing.</a:t>
-            </a:r>
-          </a:p>
-          <a:p>
-            <a:endParaRPr lang="en-US" dirty="0"/>
+              <a:t>View Files in Binary and Hex</a:t>
+            </a:r>
           </a:p>
           <a:p>
             <a:r>
               <a:rPr lang="en-US" dirty="0"/>
-              <a:t>It quite literally is the use of all the 1s and 0s from the ground up.</a:t>
-            </a:r>
-          </a:p>
-          <a:p>
-            <a:endParaRPr lang="en-US" dirty="0"/>
+              <a:t> -b for binary, - g for bytes</a:t>
+            </a:r>
           </a:p>
         </p:txBody>
       </p:sp>
-      <p:pic>
-        <p:nvPicPr>
-          <p:cNvPr id="2" name="Picture 1">
-            <a:extLst>
-              <a:ext uri="{FF2B5EF4-FFF2-40B4-BE49-F238E27FC236}">
-                <a16:creationId xmlns:a16="http://schemas.microsoft.com/office/drawing/2014/main" id="{B80DFE15-5383-4A41-8C38-B1B2BDE21514}"/>
-              </a:ext>
-            </a:extLst>
-          </p:cNvPr>
-          <p:cNvPicPr>
-            <a:picLocks noChangeAspect="1"/>
-          </p:cNvPicPr>
-          <p:nvPr/>
-        </p:nvPicPr>
-        <p:blipFill>
-          <a:blip r:embed="rId2"/>
-          <a:stretch>
-            <a:fillRect/>
-          </a:stretch>
-        </p:blipFill>
-        <p:spPr>
-          <a:xfrm>
-            <a:off x="5386760" y="828762"/>
-            <a:ext cx="2878936" cy="3259972"/>
-          </a:xfrm>
-          <a:prstGeom prst="rect">
-            <a:avLst/>
-          </a:prstGeom>
-        </p:spPr>
-      </p:pic>
     </p:spTree>
     <p:extLst>
       <p:ext uri="{BB962C8B-B14F-4D97-AF65-F5344CB8AC3E}">
-        <p14:creationId xmlns:p14="http://schemas.microsoft.com/office/powerpoint/2010/main" val="1875340111"/>
+        <p14:creationId xmlns:p14="http://schemas.microsoft.com/office/powerpoint/2010/main" val="3713878974"/>
       </p:ext>
     </p:extLst>
   </p:cSld>
